--- a/translations/he/beginner/MovingStraight.pptx
+++ b/translations/he/beginner/MovingStraight.pptx
@@ -7733,169 +7733,6 @@
           <a:chExt cx="0" cy="0"/>
         </a:xfrm>
       </p:grpSpPr>
-      <p:pic>
-        <p:nvPicPr>
-          <p:cNvPr id="6" name="Picture Placeholder 5" descr="Droidslogo2.png"/>
-          <p:cNvPicPr>
-            <a:picLocks noGrp="1" noChangeAspect="1"/>
-          </p:cNvPicPr>
-          <p:nvPr>
-            <p:ph type="pic" sz="quarter" idx="13"/>
-          </p:nvPr>
-        </p:nvPicPr>
-        <p:blipFill>
-          <a:blip r:embed="rId3" cstate="screen">
-            <a:extLst>
-              <a:ext uri="{28A0092B-C50C-407E-A947-70E740481C1C}">
-                <a14:useLocalDpi xmlns:a14="http://schemas.microsoft.com/office/drawing/2010/main" val="0"/>
-              </a:ext>
-            </a:extLst>
-          </a:blip>
-          <a:srcRect/>
-          <a:stretch>
-            <a:fillRect/>
-          </a:stretch>
-        </p:blipFill>
-        <p:spPr>
-          <a:xfrm>
-            <a:off x="247673" y="5252598"/>
-            <a:ext cx="1209338" cy="1145791"/>
-          </a:xfrm>
-        </p:spPr>
-      </p:pic>
-      <p:sp>
-        <p:nvSpPr>
-          <p:cNvPr id="4" name="Subtitle 3"/>
-          <p:cNvSpPr>
-            <a:spLocks noGrp="1"/>
-          </p:cNvSpPr>
-          <p:nvPr>
-            <p:ph type="subTitle" idx="1"/>
-          </p:nvPr>
-        </p:nvSpPr>
-        <p:spPr>
-          <a:xfrm>
-            <a:off x="1009935" y="3288773"/>
-            <a:ext cx="7754928" cy="1145791"/>
-          </a:xfrm>
-        </p:spPr>
-        <p:txBody>
-          <a:bodyPr>
-            <a:normAutofit/>
-          </a:bodyPr>
-          <a:lstStyle/>
-          <a:p>
-            <a:pPr algn="r" rtl="1"/>
-            <a:r>
-              <a:rPr lang="he-IL" dirty="0" smtClean="0">
-                <a:solidFill>
-                  <a:schemeClr val="tx1"/>
-                </a:solidFill>
-                <a:latin typeface="Gan CLM" panose="02000803000000000000" pitchFamily="2" charset="-79"/>
-                <a:cs typeface="Gan CLM" panose="02000803000000000000" pitchFamily="2" charset="-79"/>
-              </a:rPr>
-              <a:t>נכתב במקור ע"י קבוצת </a:t>
-            </a:r>
-            <a:r>
-              <a:rPr lang="en-US" b="1" dirty="0" smtClean="0">
-                <a:solidFill>
-                  <a:schemeClr val="tx1"/>
-                </a:solidFill>
-                <a:latin typeface="+mj-lt"/>
-                <a:cs typeface="Gan CLM" panose="02000803000000000000" pitchFamily="2" charset="-79"/>
-              </a:rPr>
-              <a:t>DROID ROBOTICS</a:t>
-            </a:r>
-            <a:r>
-              <a:rPr lang="he-IL" b="1" dirty="0" smtClean="0">
-                <a:solidFill>
-                  <a:schemeClr val="tx1"/>
-                </a:solidFill>
-                <a:latin typeface="+mj-lt"/>
-                <a:cs typeface="Gan CLM" panose="02000803000000000000" pitchFamily="2" charset="-79"/>
-              </a:rPr>
-              <a:t> </a:t>
-            </a:r>
-            <a:r>
-              <a:rPr lang="en-US" b="1" dirty="0">
-                <a:solidFill>
-                  <a:schemeClr val="tx1"/>
-                </a:solidFill>
-                <a:latin typeface="+mj-lt"/>
-                <a:cs typeface="Gan CLM" panose="02000803000000000000" pitchFamily="2" charset="-79"/>
-              </a:rPr>
-              <a:t> </a:t>
-            </a:r>
-            <a:r>
-              <a:rPr lang="he-IL" b="1" dirty="0">
-                <a:solidFill>
-                  <a:schemeClr val="tx1"/>
-                </a:solidFill>
-                <a:latin typeface="+mj-lt"/>
-                <a:cs typeface="Gan CLM" panose="02000803000000000000" pitchFamily="2" charset="-79"/>
-              </a:rPr>
-              <a:t> </a:t>
-            </a:r>
-            <a:r>
-              <a:rPr lang="he-IL" dirty="0" smtClean="0">
-                <a:solidFill>
-                  <a:schemeClr val="tx1"/>
-                </a:solidFill>
-                <a:latin typeface="Gan CLM" panose="02000803000000000000" pitchFamily="2" charset="-79"/>
-                <a:cs typeface="Gan CLM" panose="02000803000000000000" pitchFamily="2" charset="-79"/>
-              </a:rPr>
-              <a:t>תורגם לעברית ע"י קבוצה </a:t>
-            </a:r>
-            <a:r>
-              <a:rPr lang="en-US" b="1" dirty="0" smtClean="0">
-                <a:solidFill>
-                  <a:schemeClr val="tx1"/>
-                </a:solidFill>
-                <a:latin typeface="+mj-lt"/>
-                <a:cs typeface="Gan CLM" panose="02000803000000000000" pitchFamily="2" charset="-79"/>
-              </a:rPr>
-              <a:t>FLASH #</a:t>
-            </a:r>
-            <a:r>
-              <a:rPr lang="en-US" dirty="0" smtClean="0">
-                <a:solidFill>
-                  <a:schemeClr val="tx1"/>
-                </a:solidFill>
-                <a:latin typeface="Gan CLM" panose="02000803000000000000" pitchFamily="2" charset="-79"/>
-                <a:cs typeface="Gan CLM" panose="02000803000000000000" pitchFamily="2" charset="-79"/>
-              </a:rPr>
-              <a:t>74</a:t>
-            </a:r>
-            <a:r>
-              <a:rPr lang="he-IL" dirty="0" smtClean="0">
-                <a:solidFill>
-                  <a:schemeClr val="tx1"/>
-                </a:solidFill>
-                <a:latin typeface="Gan CLM" panose="02000803000000000000" pitchFamily="2" charset="-79"/>
-                <a:cs typeface="Gan CLM" panose="02000803000000000000" pitchFamily="2" charset="-79"/>
-              </a:rPr>
-              <a:t> בית ספר על שם יצחק </a:t>
-            </a:r>
-            <a:r>
-              <a:rPr lang="he-IL" dirty="0" err="1" smtClean="0">
-                <a:solidFill>
-                  <a:schemeClr val="tx1"/>
-                </a:solidFill>
-                <a:latin typeface="Gan CLM" panose="02000803000000000000" pitchFamily="2" charset="-79"/>
-                <a:cs typeface="Gan CLM" panose="02000803000000000000" pitchFamily="2" charset="-79"/>
-              </a:rPr>
-              <a:t>רבין,שוהם</a:t>
-            </a:r>
-            <a:endParaRPr lang="en-US" dirty="0">
-              <a:solidFill>
-                <a:schemeClr val="tx1"/>
-              </a:solidFill>
-              <a:latin typeface="Gan CLM" panose="02000803000000000000" pitchFamily="2" charset="-79"/>
-              <a:cs typeface="Gan CLM" panose="02000803000000000000" pitchFamily="2" charset="-79"/>
-            </a:endParaRPr>
-          </a:p>
-        </p:txBody>
-      </p:sp>
       <p:sp>
         <p:nvSpPr>
           <p:cNvPr id="2" name="Title 1"/>
@@ -7973,29 +7810,6 @@
               <a:latin typeface="Gan CLM" panose="02000803000000000000" pitchFamily="2" charset="-79"/>
               <a:cs typeface="Gan CLM" panose="02000803000000000000" pitchFamily="2" charset="-79"/>
             </a:endParaRPr>
-          </a:p>
-        </p:txBody>
-      </p:sp>
-      <p:sp>
-        <p:nvSpPr>
-          <p:cNvPr id="10" name="Footer Placeholder 9"/>
-          <p:cNvSpPr>
-            <a:spLocks noGrp="1"/>
-          </p:cNvSpPr>
-          <p:nvPr>
-            <p:ph type="ftr" sz="quarter" idx="11"/>
-          </p:nvPr>
-        </p:nvSpPr>
-        <p:spPr/>
-        <p:txBody>
-          <a:bodyPr/>
-          <a:lstStyle/>
-          <a:p>
-            <a:r>
-              <a:rPr lang="fr-FR" smtClean="0"/>
-              <a:t>© 2015 EV3Lessons.com, Last Edit 5/30/2015</a:t>
-            </a:r>
-            <a:endParaRPr lang="en-US"/>
           </a:p>
         </p:txBody>
       </p:sp>
@@ -8031,7 +7845,7 @@
           <p:nvPr/>
         </p:nvPicPr>
         <p:blipFill>
-          <a:blip r:embed="rId4" cstate="email">
+          <a:blip r:embed="rId3" cstate="email">
             <a:extLst>
               <a:ext uri="{28A0092B-C50C-407E-A947-70E740481C1C}">
                 <a14:useLocalDpi xmlns:a14="http://schemas.microsoft.com/office/drawing/2010/main" val="0"/>
@@ -8054,7 +7868,7 @@
           <a:noFill/>
           <a:extLst>
             <a:ext uri="{909E8E84-426E-40dd-AFC4-6F175D3DCCD1}">
-              <a14:hiddenFill xmlns:a14="http://schemas.microsoft.com/office/drawing/2010/main" xmlns="">
+              <a14:hiddenFill xmlns="" xmlns:a14="http://schemas.microsoft.com/office/drawing/2010/main">
                 <a:solidFill>
                   <a:srgbClr val="FFFFFF"/>
                 </a:solidFill>
@@ -8065,14 +7879,14 @@
       </p:pic>
       <p:pic>
         <p:nvPicPr>
-          <p:cNvPr id="7" name="תמונה 6"/>
+          <p:cNvPr id="11" name="Picture 10"/>
           <p:cNvPicPr>
             <a:picLocks noChangeAspect="1"/>
           </p:cNvPicPr>
           <p:nvPr/>
         </p:nvPicPr>
         <p:blipFill>
-          <a:blip r:embed="rId5" cstate="screen">
+          <a:blip r:embed="rId4">
             <a:extLst>
               <a:ext uri="{28A0092B-C50C-407E-A947-70E740481C1C}">
                 <a14:useLocalDpi xmlns:a14="http://schemas.microsoft.com/office/drawing/2010/main" val="0"/>
@@ -8085,14 +7899,157 @@
         </p:blipFill>
         <p:spPr>
           <a:xfrm>
-            <a:off x="2823005" y="5071677"/>
-            <a:ext cx="1984430" cy="1547917"/>
+            <a:off x="349506" y="5323144"/>
+            <a:ext cx="1320857" cy="1263619"/>
           </a:xfrm>
           <a:prstGeom prst="rect">
             <a:avLst/>
           </a:prstGeom>
         </p:spPr>
       </p:pic>
+      <p:sp>
+        <p:nvSpPr>
+          <p:cNvPr id="12" name="TextBox 12"/>
+          <p:cNvSpPr txBox="1"/>
+          <p:nvPr/>
+        </p:nvSpPr>
+        <p:spPr>
+          <a:xfrm>
+            <a:off x="1704134" y="6217431"/>
+            <a:ext cx="2248525" cy="369332"/>
+          </a:xfrm>
+          <a:prstGeom prst="rect">
+            <a:avLst/>
+          </a:prstGeom>
+          <a:noFill/>
+        </p:spPr>
+        <p:txBody>
+          <a:bodyPr wrap="square" rtlCol="0">
+            <a:spAutoFit/>
+          </a:bodyPr>
+          <a:lstStyle>
+            <a:defPPr>
+              <a:defRPr lang="en-US"/>
+            </a:defPPr>
+            <a:lvl1pPr marL="0" algn="l" defTabSz="457200" rtl="0" eaLnBrk="1" latinLnBrk="0" hangingPunct="1">
+              <a:defRPr sz="1800" kern="1200">
+                <a:solidFill>
+                  <a:schemeClr val="tx1"/>
+                </a:solidFill>
+                <a:latin typeface="+mn-lt"/>
+                <a:ea typeface="+mn-ea"/>
+                <a:cs typeface="+mn-cs"/>
+              </a:defRPr>
+            </a:lvl1pPr>
+            <a:lvl2pPr marL="457200" algn="l" defTabSz="457200" rtl="0" eaLnBrk="1" latinLnBrk="0" hangingPunct="1">
+              <a:defRPr sz="1800" kern="1200">
+                <a:solidFill>
+                  <a:schemeClr val="tx1"/>
+                </a:solidFill>
+                <a:latin typeface="+mn-lt"/>
+                <a:ea typeface="+mn-ea"/>
+                <a:cs typeface="+mn-cs"/>
+              </a:defRPr>
+            </a:lvl2pPr>
+            <a:lvl3pPr marL="914400" algn="l" defTabSz="457200" rtl="0" eaLnBrk="1" latinLnBrk="0" hangingPunct="1">
+              <a:defRPr sz="1800" kern="1200">
+                <a:solidFill>
+                  <a:schemeClr val="tx1"/>
+                </a:solidFill>
+                <a:latin typeface="+mn-lt"/>
+                <a:ea typeface="+mn-ea"/>
+                <a:cs typeface="+mn-cs"/>
+              </a:defRPr>
+            </a:lvl3pPr>
+            <a:lvl4pPr marL="1371600" algn="l" defTabSz="457200" rtl="0" eaLnBrk="1" latinLnBrk="0" hangingPunct="1">
+              <a:defRPr sz="1800" kern="1200">
+                <a:solidFill>
+                  <a:schemeClr val="tx1"/>
+                </a:solidFill>
+                <a:latin typeface="+mn-lt"/>
+                <a:ea typeface="+mn-ea"/>
+                <a:cs typeface="+mn-cs"/>
+              </a:defRPr>
+            </a:lvl4pPr>
+            <a:lvl5pPr marL="1828800" algn="l" defTabSz="457200" rtl="0" eaLnBrk="1" latinLnBrk="0" hangingPunct="1">
+              <a:defRPr sz="1800" kern="1200">
+                <a:solidFill>
+                  <a:schemeClr val="tx1"/>
+                </a:solidFill>
+                <a:latin typeface="+mn-lt"/>
+                <a:ea typeface="+mn-ea"/>
+                <a:cs typeface="+mn-cs"/>
+              </a:defRPr>
+            </a:lvl5pPr>
+            <a:lvl6pPr marL="2286000" algn="l" defTabSz="457200" rtl="0" eaLnBrk="1" latinLnBrk="0" hangingPunct="1">
+              <a:defRPr sz="1800" kern="1200">
+                <a:solidFill>
+                  <a:schemeClr val="tx1"/>
+                </a:solidFill>
+                <a:latin typeface="+mn-lt"/>
+                <a:ea typeface="+mn-ea"/>
+                <a:cs typeface="+mn-cs"/>
+              </a:defRPr>
+            </a:lvl6pPr>
+            <a:lvl7pPr marL="2743200" algn="l" defTabSz="457200" rtl="0" eaLnBrk="1" latinLnBrk="0" hangingPunct="1">
+              <a:defRPr sz="1800" kern="1200">
+                <a:solidFill>
+                  <a:schemeClr val="tx1"/>
+                </a:solidFill>
+                <a:latin typeface="+mn-lt"/>
+                <a:ea typeface="+mn-ea"/>
+                <a:cs typeface="+mn-cs"/>
+              </a:defRPr>
+            </a:lvl7pPr>
+            <a:lvl8pPr marL="3200400" algn="l" defTabSz="457200" rtl="0" eaLnBrk="1" latinLnBrk="0" hangingPunct="1">
+              <a:defRPr sz="1800" kern="1200">
+                <a:solidFill>
+                  <a:schemeClr val="tx1"/>
+                </a:solidFill>
+                <a:latin typeface="+mn-lt"/>
+                <a:ea typeface="+mn-ea"/>
+                <a:cs typeface="+mn-cs"/>
+              </a:defRPr>
+            </a:lvl8pPr>
+            <a:lvl9pPr marL="3657600" algn="l" defTabSz="457200" rtl="0" eaLnBrk="1" latinLnBrk="0" hangingPunct="1">
+              <a:defRPr sz="1800" kern="1200">
+                <a:solidFill>
+                  <a:schemeClr val="tx1"/>
+                </a:solidFill>
+                <a:latin typeface="+mn-lt"/>
+                <a:ea typeface="+mn-ea"/>
+                <a:cs typeface="+mn-cs"/>
+              </a:defRPr>
+            </a:lvl9pPr>
+          </a:lstStyle>
+          <a:p>
+            <a:r>
+              <a:rPr lang="en-US" dirty="0" smtClean="0"/>
+              <a:t>By Droids Robotics</a:t>
+            </a:r>
+            <a:endParaRPr lang="en-US" dirty="0"/>
+          </a:p>
+        </p:txBody>
+      </p:sp>
+      <p:sp>
+        <p:nvSpPr>
+          <p:cNvPr id="13" name="Subtitle 12"/>
+          <p:cNvSpPr>
+            <a:spLocks noGrp="1"/>
+          </p:cNvSpPr>
+          <p:nvPr>
+            <p:ph type="subTitle" idx="1"/>
+          </p:nvPr>
+        </p:nvSpPr>
+        <p:spPr/>
+        <p:txBody>
+          <a:bodyPr/>
+          <a:lstStyle/>
+          <a:p>
+            <a:endParaRPr lang="en-US"/>
+          </a:p>
+        </p:txBody>
+      </p:sp>
     </p:spTree>
     <p:extLst>
       <p:ext uri="{BB962C8B-B14F-4D97-AF65-F5344CB8AC3E}">
@@ -9240,7 +9197,7 @@
               <a:buNone/>
             </a:pPr>
             <a:r>
-              <a:rPr lang="en-US" sz="3800" b="1" dirty="0" smtClean="0">
+              <a:rPr lang="en-US" sz="3800" b="1" smtClean="0">
                 <a:solidFill>
                   <a:schemeClr val="tx1"/>
                 </a:solidFill>
@@ -9248,10 +9205,10 @@
                 <a:ea typeface="+mj-ea"/>
                 <a:cs typeface="Gan CLM" panose="02000803000000000000" pitchFamily="2" charset="-79"/>
               </a:rPr>
-              <a:t>Droid</a:t>
-            </a:r>
-            <a:r>
-              <a:rPr lang="en-US" sz="3800" b="1" dirty="0" smtClean="0">
+              <a:t>Droids</a:t>
+            </a:r>
+            <a:r>
+              <a:rPr lang="en-US" sz="3800" b="1" smtClean="0">
                 <a:solidFill>
                   <a:schemeClr val="tx1"/>
                 </a:solidFill>
@@ -9353,7 +9310,7 @@
           <a:effectLst/>
           <a:extLst>
             <a:ext uri="{91240B29-F687-4f45-9708-019B960494DF}">
-              <a14:hiddenLine xmlns:a14="http://schemas.microsoft.com/office/drawing/2010/main" xmlns="" w="9525">
+              <a14:hiddenLine xmlns="" xmlns:a14="http://schemas.microsoft.com/office/drawing/2010/main" w="9525">
                 <a:solidFill>
                   <a:schemeClr val="tx1"/>
                 </a:solidFill>
@@ -9363,7 +9320,7 @@
               </a14:hiddenLine>
             </a:ext>
             <a:ext uri="{AF507438-7753-43e0-B8FC-AC1667EBCBE1}">
-              <a14:hiddenEffects xmlns:a14="http://schemas.microsoft.com/office/drawing/2010/main" xmlns="">
+              <a14:hiddenEffects xmlns="" xmlns:a14="http://schemas.microsoft.com/office/drawing/2010/main">
                 <a:effectLst>
                   <a:outerShdw dist="35921" dir="2700000" algn="ctr" rotWithShape="0">
                     <a:schemeClr val="bg2"/>
